--- a/Preliminary Results 2025 WTG15.pptx
+++ b/Preliminary Results 2025 WTG15.pptx
@@ -13,6 +13,7 @@
     <p:sldId id="262" r:id="rId7"/>
     <p:sldId id="263" r:id="rId8"/>
     <p:sldId id="264" r:id="rId9"/>
+    <p:sldId id="265" r:id="rId10"/>
   </p:sldIdLst>
   <p:sldSz cx="12192000" cy="6858000"/>
   <p:notesSz cx="6858000" cy="9144000"/>
@@ -3212,11 +3213,7 @@
             </a:pPr>
             <a:r>
               <a:rPr lang="pl-PL" dirty="0" smtClean="0"/>
-              <a:t>Obszar ten obejmuje też wszystkie moce </a:t>
-            </a:r>
-            <a:r>
-              <a:rPr lang="pl-PL" dirty="0" smtClean="0"/>
-              <a:t>negatywne</a:t>
+              <a:t>Obszar ten obejmuje też wszystkie moce negatywne</a:t>
             </a:r>
           </a:p>
           <a:p>
@@ -3228,7 +3225,6 @@
               <a:rPr lang="pl-PL" dirty="0" smtClean="0"/>
               <a:t>Punkty tworzące tę figure podane są poniżej</a:t>
             </a:r>
-            <a:endParaRPr lang="pl-PL" dirty="0" smtClean="0"/>
           </a:p>
           <a:p>
             <a:endParaRPr lang="en-GB" dirty="0"/>
@@ -4173,31 +4169,7 @@
             </a:pPr>
             <a:r>
               <a:rPr lang="pl-PL" dirty="0" smtClean="0"/>
-              <a:t>Do tego dochodzi </a:t>
-            </a:r>
-            <a:r>
-              <a:rPr lang="pl-PL" dirty="0" smtClean="0"/>
-              <a:t>sezonowość - </a:t>
-            </a:r>
-            <a:r>
-              <a:rPr lang="pl-PL" dirty="0" smtClean="0"/>
-              <a:t>być może wiatry </a:t>
-            </a:r>
-            <a:r>
-              <a:rPr lang="pl-PL" dirty="0" smtClean="0"/>
-              <a:t>jesienią i zimą były </a:t>
-            </a:r>
-            <a:r>
-              <a:rPr lang="pl-PL" dirty="0" smtClean="0"/>
-              <a:t>bardziej zmienne, przez co ciężej o </a:t>
-            </a:r>
-            <a:r>
-              <a:rPr lang="pl-PL" dirty="0" smtClean="0"/>
-              <a:t>wysoką </a:t>
-            </a:r>
-            <a:r>
-              <a:rPr lang="pl-PL" dirty="0" smtClean="0"/>
-              <a:t>produkcje (?)</a:t>
+              <a:t>Do tego dochodzi sezonowość - być może wiatry jesienią i zimą były bardziej zmienne, przez co ciężej o wysoką produkcje (?)</a:t>
             </a:r>
             <a:endParaRPr lang="en-GB" dirty="0"/>
           </a:p>
@@ -4207,6 +4179,137 @@
     <p:extLst>
       <p:ext uri="{BB962C8B-B14F-4D97-AF65-F5344CB8AC3E}">
         <p14:creationId xmlns:p14="http://schemas.microsoft.com/office/powerpoint/2010/main" val="3227133191"/>
+      </p:ext>
+    </p:extLst>
+  </p:cSld>
+  <p:clrMapOvr>
+    <a:masterClrMapping/>
+  </p:clrMapOvr>
+</p:sld>
+</file>
+
+<file path=ppt/slides/slide9.xml><?xml version="1.0" encoding="utf-8"?>
+<p:sld xmlns:a="http://schemas.openxmlformats.org/drawingml/2006/main" xmlns:r="http://schemas.openxmlformats.org/officeDocument/2006/relationships" xmlns:p="http://schemas.openxmlformats.org/presentationml/2006/main">
+  <p:cSld>
+    <p:spTree>
+      <p:nvGrpSpPr>
+        <p:cNvPr id="1" name=""/>
+        <p:cNvGrpSpPr/>
+        <p:nvPr/>
+      </p:nvGrpSpPr>
+      <p:grpSpPr>
+        <a:xfrm>
+          <a:off x="0" y="0"/>
+          <a:ext cx="0" cy="0"/>
+          <a:chOff x="0" y="0"/>
+          <a:chExt cx="0" cy="0"/>
+        </a:xfrm>
+      </p:grpSpPr>
+      <p:sp>
+        <p:nvSpPr>
+          <p:cNvPr id="2" name="Title 1"/>
+          <p:cNvSpPr>
+            <a:spLocks noGrp="1"/>
+          </p:cNvSpPr>
+          <p:nvPr>
+            <p:ph type="title"/>
+          </p:nvPr>
+        </p:nvSpPr>
+        <p:spPr/>
+        <p:txBody>
+          <a:bodyPr/>
+          <a:lstStyle/>
+          <a:p>
+            <a:r>
+              <a:rPr lang="pl-PL" dirty="0" smtClean="0"/>
+              <a:t>Symulacja Turbiny WTG15 z 2024</a:t>
+            </a:r>
+            <a:endParaRPr lang="en-GB" dirty="0"/>
+          </a:p>
+        </p:txBody>
+      </p:sp>
+      <p:sp>
+        <p:nvSpPr>
+          <p:cNvPr id="6" name="TextBox 5"/>
+          <p:cNvSpPr txBox="1"/>
+          <p:nvPr/>
+        </p:nvSpPr>
+        <p:spPr>
+          <a:xfrm>
+            <a:off x="0" y="1506022"/>
+            <a:ext cx="10031240" cy="923330"/>
+          </a:xfrm>
+          <a:prstGeom prst="rect">
+            <a:avLst/>
+          </a:prstGeom>
+          <a:noFill/>
+        </p:spPr>
+        <p:txBody>
+          <a:bodyPr wrap="square" rtlCol="0">
+            <a:spAutoFit/>
+          </a:bodyPr>
+          <a:lstStyle/>
+          <a:p>
+            <a:r>
+              <a:rPr lang="pl-PL" dirty="0" smtClean="0"/>
+              <a:t>Dla poparcia wniosku, że mamy za mało danych zrobiłem dodatkową symulacje - wziąłem tożsamy okres czasu jaki mamy dostępny z pomiarami z LEP (tj od sierpnia do grudnia) na WTG15 z 2024. Jak widać poniżej, wykres z symulacji jest również gorszy od niebieskiej krzywej (czyli całego okresu bez LEP)</a:t>
+            </a:r>
+            <a:endParaRPr lang="en-GB" dirty="0"/>
+          </a:p>
+        </p:txBody>
+      </p:sp>
+      <p:pic>
+        <p:nvPicPr>
+          <p:cNvPr id="7" name="Picture 6"/>
+          <p:cNvPicPr>
+            <a:picLocks noChangeAspect="1"/>
+          </p:cNvPicPr>
+          <p:nvPr/>
+        </p:nvPicPr>
+        <p:blipFill>
+          <a:blip r:embed="rId2"/>
+          <a:stretch>
+            <a:fillRect/>
+          </a:stretch>
+        </p:blipFill>
+        <p:spPr>
+          <a:xfrm>
+            <a:off x="0" y="2687618"/>
+            <a:ext cx="5946327" cy="4170381"/>
+          </a:xfrm>
+          <a:prstGeom prst="rect">
+            <a:avLst/>
+          </a:prstGeom>
+        </p:spPr>
+      </p:pic>
+      <p:pic>
+        <p:nvPicPr>
+          <p:cNvPr id="8" name="Picture 7"/>
+          <p:cNvPicPr>
+            <a:picLocks noChangeAspect="1"/>
+          </p:cNvPicPr>
+          <p:nvPr/>
+        </p:nvPicPr>
+        <p:blipFill>
+          <a:blip r:embed="rId3"/>
+          <a:stretch>
+            <a:fillRect/>
+          </a:stretch>
+        </p:blipFill>
+        <p:spPr>
+          <a:xfrm>
+            <a:off x="6096000" y="2687619"/>
+            <a:ext cx="5993255" cy="4170381"/>
+          </a:xfrm>
+          <a:prstGeom prst="rect">
+            <a:avLst/>
+          </a:prstGeom>
+        </p:spPr>
+      </p:pic>
+    </p:spTree>
+    <p:extLst>
+      <p:ext uri="{BB962C8B-B14F-4D97-AF65-F5344CB8AC3E}">
+        <p14:creationId xmlns:p14="http://schemas.microsoft.com/office/powerpoint/2010/main" val="912486075"/>
       </p:ext>
     </p:extLst>
   </p:cSld>
